--- a/project/second presentation/2D 게임 프로그래밍 2차 발표.pptx
+++ b/project/second presentation/2D 게임 프로그래밍 2차 발표.pptx
@@ -13729,7 +13729,7 @@
           <p:nvPr>
             <p:extLst>
               <p:ext uri="{D42A27DB-BD31-4B8C-83A1-F6EECF244321}">
-                <p14:modId xmlns:p14="http://schemas.microsoft.com/office/powerpoint/2010/main" val="3919613753"/>
+                <p14:modId xmlns:p14="http://schemas.microsoft.com/office/powerpoint/2010/main" val="532177609"/>
               </p:ext>
             </p:extLst>
           </p:nvPr>
@@ -14388,17 +14388,7 @@
                           <a:latin typeface="+mj-ea"/>
                           <a:ea typeface="+mj-ea"/>
                         </a:rPr>
-                        <a:t>리소스가 많이 존재하지 않아 추가적으로 많이 </a:t>
-                      </a:r>
-                      <a:r>
-                        <a:rPr lang="ko-KR" altLang="en-US" sz="1000" b="1" dirty="0" err="1">
-                          <a:solidFill>
-                            <a:srgbClr val="C00000"/>
-                          </a:solidFill>
-                          <a:latin typeface="+mj-ea"/>
-                          <a:ea typeface="+mj-ea"/>
-                        </a:rPr>
-                        <a:t>수집해야함</a:t>
+                        <a:t>스테이지와 사운드 리소스 수집 필요</a:t>
                       </a:r>
                       <a:endParaRPr lang="en-US" altLang="ko-KR" sz="1000" b="1" dirty="0">
                         <a:solidFill>
@@ -14469,7 +14459,7 @@
                           <a:latin typeface="+mj-ea"/>
                           <a:ea typeface="+mj-ea"/>
                         </a:rPr>
-                        <a:t>30%</a:t>
+                        <a:t>60%</a:t>
                       </a:r>
                     </a:p>
                   </a:txBody>
@@ -14794,7 +14784,29 @@
                           <a:latin typeface="+mj-ea"/>
                           <a:ea typeface="+mj-ea"/>
                         </a:rPr>
-                        <a:t>캐릭터의 움직임과 기본 공격 구현 완료</a:t>
+                        <a:t>캐릭터의 움직임 완료 </a:t>
+                      </a:r>
+                      <a:endParaRPr lang="en-US" altLang="ko-KR" sz="1000" b="1" dirty="0">
+                        <a:solidFill>
+                          <a:srgbClr val="C00000"/>
+                        </a:solidFill>
+                        <a:latin typeface="+mj-ea"/>
+                        <a:ea typeface="+mj-ea"/>
+                      </a:endParaRPr>
+                    </a:p>
+                    <a:p>
+                      <a:pPr marL="0" indent="0" latinLnBrk="1">
+                        <a:buNone/>
+                      </a:pPr>
+                      <a:r>
+                        <a:rPr lang="ko-KR" altLang="en-US" sz="1000" b="1" dirty="0">
+                          <a:solidFill>
+                            <a:srgbClr val="C00000"/>
+                          </a:solidFill>
+                          <a:latin typeface="+mj-ea"/>
+                          <a:ea typeface="+mj-ea"/>
+                        </a:rPr>
+                        <a:t>기본 공격 버그 발견</a:t>
                       </a:r>
                       <a:endParaRPr lang="en-US" altLang="ko-KR" sz="1000" b="1" dirty="0">
                         <a:solidFill>
@@ -15064,7 +15076,27 @@
                           <a:latin typeface="+mj-ea"/>
                           <a:ea typeface="+mj-ea"/>
                         </a:rPr>
-                        <a:t>, </a:t>
+                        <a:t>(</a:t>
+                      </a:r>
+                      <a:r>
+                        <a:rPr lang="ko-KR" altLang="en-US" sz="1000" b="1" dirty="0">
+                          <a:solidFill>
+                            <a:schemeClr val="tx1"/>
+                          </a:solidFill>
+                          <a:latin typeface="+mj-ea"/>
+                          <a:ea typeface="+mj-ea"/>
+                        </a:rPr>
+                        <a:t>삭제</a:t>
+                      </a:r>
+                      <a:r>
+                        <a:rPr lang="en-US" altLang="ko-KR" sz="1000" b="1" dirty="0">
+                          <a:solidFill>
+                            <a:schemeClr val="tx1"/>
+                          </a:solidFill>
+                          <a:latin typeface="+mj-ea"/>
+                          <a:ea typeface="+mj-ea"/>
+                        </a:rPr>
+                        <a:t>), </a:t>
                       </a:r>
                       <a:r>
                         <a:rPr lang="ko-KR" altLang="en-US" sz="1000" b="1" dirty="0">
@@ -18406,6 +18438,42 @@
           <a:chExt cx="0" cy="0"/>
         </a:xfrm>
       </p:grpSpPr>
+      <p:pic>
+        <p:nvPicPr>
+          <p:cNvPr id="3" name="그림 2" descr="텍스트, 실내, 스크린샷, 어두운이(가) 표시된 사진&#10;&#10;자동 생성된 설명">
+            <a:extLst>
+              <a:ext uri="{FF2B5EF4-FFF2-40B4-BE49-F238E27FC236}">
+                <a16:creationId xmlns:a16="http://schemas.microsoft.com/office/drawing/2014/main" id="{3E5852E7-1D6D-8A8F-935B-F7BF58E98579}"/>
+              </a:ext>
+            </a:extLst>
+          </p:cNvPr>
+          <p:cNvPicPr>
+            <a:picLocks noChangeAspect="1"/>
+          </p:cNvPicPr>
+          <p:nvPr/>
+        </p:nvPicPr>
+        <p:blipFill>
+          <a:blip r:embed="rId2">
+            <a:extLst>
+              <a:ext uri="{28A0092B-C50C-407E-A947-70E740481C1C}">
+                <a14:useLocalDpi xmlns:a14="http://schemas.microsoft.com/office/drawing/2010/main" val="0"/>
+              </a:ext>
+            </a:extLst>
+          </a:blip>
+          <a:stretch>
+            <a:fillRect/>
+          </a:stretch>
+        </p:blipFill>
+        <p:spPr>
+          <a:xfrm>
+            <a:off x="0" y="0"/>
+            <a:ext cx="12192000" cy="6912243"/>
+          </a:xfrm>
+          <a:prstGeom prst="rect">
+            <a:avLst/>
+          </a:prstGeom>
+        </p:spPr>
+      </p:pic>
     </p:spTree>
     <p:extLst>
       <p:ext uri="{BB962C8B-B14F-4D97-AF65-F5344CB8AC3E}">
